--- a/VLDB ss 2023 lab 1.pptx
+++ b/VLDB ss 2023 lab 1.pptx
@@ -22,16 +22,16 @@
   <p:notesSz cx="6858000" cy="9144000"/>
   <p:embeddedFontLst>
     <p:embeddedFont>
-      <p:font typeface="Microsoft YaHei UI" panose="020B0503020204020204" pitchFamily="34" charset="-122"/>
+      <p:font typeface="Helvetica Neue" panose="02000503000000020004" pitchFamily="2" charset="0"/>
       <p:regular r:id="rId10"/>
       <p:bold r:id="rId11"/>
+      <p:italic r:id="rId12"/>
+      <p:boldItalic r:id="rId13"/>
     </p:embeddedFont>
     <p:embeddedFont>
-      <p:font typeface="Helvetica Neue" panose="02000503000000020004" pitchFamily="2" charset="0"/>
-      <p:regular r:id="rId12"/>
-      <p:bold r:id="rId13"/>
-      <p:italic r:id="rId14"/>
-      <p:boldItalic r:id="rId15"/>
+      <p:font typeface="Microsoft YaHei UI" panose="020B0503020204020204" pitchFamily="34" charset="-122"/>
+      <p:regular r:id="rId14"/>
+      <p:bold r:id="rId15"/>
     </p:embeddedFont>
   </p:embeddedFontLst>
   <p:defaultTextStyle>
@@ -278,6 +278,9 @@
         </p15:guide>
       </p15:sldGuideLst>
     </p:ext>
+    <p:ext uri="{2D200454-40CA-4A62-9FC3-DE9A4176ACB9}">
+      <p15:notesGuideLst xmlns:p15="http://schemas.microsoft.com/office/powerpoint/2012/main"/>
+    </p:ext>
   </p:extLst>
 </p:presentation>
 </file>
@@ -376,7 +379,7 @@
           <a:p>
             <a:fld id="{460F66B8-193B-9642-8A46-DFFE50F95432}" type="datetimeFigureOut">
               <a:rPr lang="en-CN" smtClean="0"/>
-              <a:t>2023/7/17</a:t>
+              <a:t>2023/7/18</a:t>
             </a:fld>
             <a:endParaRPr lang="en-CN"/>
           </a:p>
@@ -8158,7 +8161,7 @@
         <p:spPr>
           <a:xfrm>
             <a:off x="745435" y="3320396"/>
-            <a:ext cx="5142755" cy="338554"/>
+            <a:ext cx="7146508" cy="584775"/>
           </a:xfrm>
           <a:prstGeom prst="rect">
             <a:avLst/>
@@ -8200,7 +8203,7 @@
                 <a:latin typeface="Microsoft YaHei UI" panose="020B0503020204020204" pitchFamily="34" charset="-122"/>
                 <a:ea typeface="Microsoft YaHei UI" panose="020B0503020204020204" pitchFamily="34" charset="-122"/>
               </a:rPr>
-              <a:t>：使用 </a:t>
+              <a:t>：基于上面学到知识，调整 </a:t>
             </a:r>
             <a:r>
               <a:rPr lang="en-US" altLang="zh-CN" sz="1600" dirty="0">
@@ -8230,7 +8233,7 @@
                 <a:latin typeface="Microsoft YaHei UI" panose="020B0503020204020204" pitchFamily="34" charset="-122"/>
                 <a:ea typeface="Microsoft YaHei UI" panose="020B0503020204020204" pitchFamily="34" charset="-122"/>
               </a:rPr>
-              <a:t>Operator</a:t>
+              <a:t>slow-log</a:t>
             </a:r>
             <a:r>
               <a:rPr lang="zh-CN" altLang="en-US" sz="1600" dirty="0">
@@ -8240,7 +8243,60 @@
                 <a:latin typeface="Microsoft YaHei UI" panose="020B0503020204020204" pitchFamily="34" charset="-122"/>
                 <a:ea typeface="Microsoft YaHei UI" panose="020B0503020204020204" pitchFamily="34" charset="-122"/>
               </a:rPr>
-              <a:t> 部署</a:t>
+              <a:t> 阈值，</a:t>
+            </a:r>
+            <a:endParaRPr lang="en-US" altLang="zh-CN" sz="1600" dirty="0">
+              <a:solidFill>
+                <a:srgbClr val="1F2328"/>
+              </a:solidFill>
+              <a:latin typeface="Microsoft YaHei UI" panose="020B0503020204020204" pitchFamily="34" charset="-122"/>
+              <a:ea typeface="Microsoft YaHei UI" panose="020B0503020204020204" pitchFamily="34" charset="-122"/>
+            </a:endParaRPr>
+          </a:p>
+          <a:p>
+            <a:r>
+              <a:rPr lang="zh-CN" altLang="en-US" sz="1600" dirty="0">
+                <a:solidFill>
+                  <a:srgbClr val="1F2328"/>
+                </a:solidFill>
+                <a:effectLst/>
+                <a:latin typeface="Microsoft YaHei UI" panose="020B0503020204020204" pitchFamily="34" charset="-122"/>
+                <a:ea typeface="Microsoft YaHei UI" panose="020B0503020204020204" pitchFamily="34" charset="-122"/>
+              </a:rPr>
+              <a:t>                                           并设计能够触发阈值的 </a:t>
+            </a:r>
+            <a:r>
+              <a:rPr lang="en-US" altLang="zh-CN" sz="1600" dirty="0">
+                <a:solidFill>
+                  <a:srgbClr val="1F2328"/>
+                </a:solidFill>
+                <a:effectLst/>
+                <a:latin typeface="Microsoft YaHei UI" panose="020B0503020204020204" pitchFamily="34" charset="-122"/>
+                <a:ea typeface="Microsoft YaHei UI" panose="020B0503020204020204" pitchFamily="34" charset="-122"/>
+              </a:rPr>
+              <a:t>SQL</a:t>
+            </a:r>
+            <a:r>
+              <a:rPr lang="zh-CN" altLang="en-US" sz="1600" dirty="0">
+                <a:solidFill>
+                  <a:srgbClr val="1F2328"/>
+                </a:solidFill>
+                <a:effectLst/>
+                <a:latin typeface="Microsoft YaHei UI" panose="020B0503020204020204" pitchFamily="34" charset="-122"/>
+                <a:ea typeface="Microsoft YaHei UI" panose="020B0503020204020204" pitchFamily="34" charset="-122"/>
+              </a:rPr>
+              <a:t> </a:t>
+            </a:r>
+            <a:r>
+              <a:rPr lang="en-US" altLang="zh-CN" sz="1600" dirty="0">
+                <a:solidFill>
+                  <a:srgbClr val="1F2328"/>
+                </a:solidFill>
+                <a:effectLst/>
+                <a:latin typeface="Microsoft YaHei UI" panose="020B0503020204020204" pitchFamily="34" charset="-122"/>
+                <a:ea typeface="Microsoft YaHei UI" panose="020B0503020204020204" pitchFamily="34" charset="-122"/>
+              </a:rPr>
+              <a:t>statements</a:t>
             </a:r>
             <a:endParaRPr lang="en-US" sz="1600" dirty="0">
               <a:solidFill>
